--- a/Artificial Intelligence/Homework/Prepositional Logic/Propositional Logic.pptx
+++ b/Artificial Intelligence/Homework/Prepositional Logic/Propositional Logic.pptx
@@ -5,10 +5,10 @@
     <p:sldMasterId id="2147483650" r:id="rId4"/>
   </p:sldMasterIdLst>
   <p:notesMasterIdLst>
-    <p:notesMasterId r:id="rId16"/>
+    <p:notesMasterId r:id="rId17"/>
   </p:notesMasterIdLst>
   <p:handoutMasterIdLst>
-    <p:handoutMasterId r:id="rId17"/>
+    <p:handoutMasterId r:id="rId18"/>
   </p:handoutMasterIdLst>
   <p:sldIdLst>
     <p:sldId id="312" r:id="rId5"/>
@@ -18,10 +18,11 @@
     <p:sldId id="317" r:id="rId9"/>
     <p:sldId id="324" r:id="rId10"/>
     <p:sldId id="318" r:id="rId11"/>
-    <p:sldId id="322" r:id="rId12"/>
-    <p:sldId id="319" r:id="rId13"/>
-    <p:sldId id="323" r:id="rId14"/>
-    <p:sldId id="297" r:id="rId15"/>
+    <p:sldId id="325" r:id="rId12"/>
+    <p:sldId id="322" r:id="rId13"/>
+    <p:sldId id="319" r:id="rId14"/>
+    <p:sldId id="323" r:id="rId15"/>
+    <p:sldId id="297" r:id="rId16"/>
   </p:sldIdLst>
   <p:sldSz cx="12192000" cy="6858000"/>
   <p:notesSz cx="13716000" cy="24384000"/>
@@ -17724,6 +17725,171 @@
   <p:cSld>
     <p:spTree>
       <p:nvGrpSpPr>
+        <p:cNvPr id="1" name=""/>
+        <p:cNvGrpSpPr/>
+        <p:nvPr/>
+      </p:nvGrpSpPr>
+      <p:grpSpPr>
+        <a:xfrm>
+          <a:off x="0" y="0"/>
+          <a:ext cx="0" cy="0"/>
+          <a:chOff x="0" y="0"/>
+          <a:chExt cx="0" cy="0"/>
+        </a:xfrm>
+      </p:grpSpPr>
+      <p:sp>
+        <p:nvSpPr>
+          <p:cNvPr id="5" name="Title 4">
+            <a:extLst>
+              <a:ext uri="{FF2B5EF4-FFF2-40B4-BE49-F238E27FC236}">
+                <a16:creationId xmlns:a16="http://schemas.microsoft.com/office/drawing/2014/main" id="{2136FCF6-982C-CC37-9625-3EBFC7E7DD13}"/>
+              </a:ext>
+            </a:extLst>
+          </p:cNvPr>
+          <p:cNvSpPr>
+            <a:spLocks noGrp="1"/>
+          </p:cNvSpPr>
+          <p:nvPr>
+            <p:ph type="title"/>
+          </p:nvPr>
+        </p:nvSpPr>
+        <p:spPr>
+          <a:xfrm>
+            <a:off x="1550563" y="1089213"/>
+            <a:ext cx="9879437" cy="980844"/>
+          </a:xfrm>
+        </p:spPr>
+        <p:txBody>
+          <a:bodyPr/>
+          <a:lstStyle/>
+          <a:p>
+            <a:r>
+              <a:rPr lang="en-US" sz="3200" dirty="0"/>
+              <a:t>Limitations of Propositional Logic</a:t>
+            </a:r>
+          </a:p>
+        </p:txBody>
+      </p:sp>
+      <p:sp>
+        <p:nvSpPr>
+          <p:cNvPr id="4" name="Text Placeholder 3">
+            <a:extLst>
+              <a:ext uri="{FF2B5EF4-FFF2-40B4-BE49-F238E27FC236}">
+                <a16:creationId xmlns:a16="http://schemas.microsoft.com/office/drawing/2014/main" id="{97DCC342-9FD1-7055-EAAC-008DC851B13F}"/>
+              </a:ext>
+            </a:extLst>
+          </p:cNvPr>
+          <p:cNvSpPr>
+            <a:spLocks noGrp="1"/>
+          </p:cNvSpPr>
+          <p:nvPr>
+            <p:ph type="body" sz="quarter" idx="13"/>
+          </p:nvPr>
+        </p:nvSpPr>
+        <p:spPr>
+          <a:xfrm>
+            <a:off x="1550564" y="2331958"/>
+            <a:ext cx="9175746" cy="3704266"/>
+          </a:xfrm>
+        </p:spPr>
+        <p:txBody>
+          <a:bodyPr/>
+          <a:lstStyle/>
+          <a:p>
+            <a:pPr marL="285750" indent="-285750">
+              <a:buFont typeface="Arial" panose="020B0604020202020204" pitchFamily="34" charset="0"/>
+              <a:buChar char="•"/>
+            </a:pPr>
+            <a:r>
+              <a:rPr lang="en-US" dirty="0"/>
+              <a:t>Expressiveness: Propositional logic is limited in expressing complex relationships and uncertainties.</a:t>
+            </a:r>
+          </a:p>
+          <a:p>
+            <a:pPr marL="285750" indent="-285750">
+              <a:buFont typeface="Arial" panose="020B0604020202020204" pitchFamily="34" charset="0"/>
+              <a:buChar char="•"/>
+            </a:pPr>
+            <a:r>
+              <a:rPr lang="en-US" dirty="0"/>
+              <a:t>Scalability: As the knowledge base grows, the complexity of reasoning increases exponentially, making it difficult to scale.</a:t>
+            </a:r>
+          </a:p>
+          <a:p>
+            <a:pPr marL="285750" indent="-285750">
+              <a:buFont typeface="Arial" panose="020B0604020202020204" pitchFamily="34" charset="0"/>
+              <a:buChar char="•"/>
+            </a:pPr>
+            <a:r>
+              <a:rPr lang="en-US" dirty="0"/>
+              <a:t>Incompleteness: Propositional logic cannot handle incomplete or uncertain information effectively.</a:t>
+            </a:r>
+          </a:p>
+          <a:p>
+            <a:pPr marL="285750" indent="-285750">
+              <a:buFont typeface="Arial" panose="020B0604020202020204" pitchFamily="34" charset="0"/>
+              <a:buChar char="•"/>
+            </a:pPr>
+            <a:r>
+              <a:rPr lang="en-US" dirty="0"/>
+              <a:t>Lack of Quantification: It lacks the ability to quantify statements, limiting its expressive power.</a:t>
+            </a:r>
+          </a:p>
+        </p:txBody>
+      </p:sp>
+      <p:sp>
+        <p:nvSpPr>
+          <p:cNvPr id="2" name="Slide Number Placeholder 1">
+            <a:extLst>
+              <a:ext uri="{FF2B5EF4-FFF2-40B4-BE49-F238E27FC236}">
+                <a16:creationId xmlns:a16="http://schemas.microsoft.com/office/drawing/2014/main" id="{A913EEC9-16E3-6C86-97D0-A7EC7EA09CDA}"/>
+              </a:ext>
+            </a:extLst>
+          </p:cNvPr>
+          <p:cNvSpPr>
+            <a:spLocks noGrp="1"/>
+          </p:cNvSpPr>
+          <p:nvPr>
+            <p:ph type="sldNum" sz="quarter" idx="10"/>
+          </p:nvPr>
+        </p:nvSpPr>
+        <p:spPr>
+          <a:xfrm>
+            <a:off x="10358437" y="457199"/>
+            <a:ext cx="1067589" cy="471489"/>
+          </a:xfrm>
+        </p:spPr>
+        <p:txBody>
+          <a:bodyPr/>
+          <a:lstStyle/>
+          <a:p>
+            <a:fld id="{48F63A3B-78C7-47BE-AE5E-E10140E04643}" type="slidenum">
+              <a:rPr lang="en-US" smtClean="0"/>
+              <a:pPr/>
+              <a:t>10</a:t>
+            </a:fld>
+            <a:endParaRPr lang="en-US" dirty="0"/>
+          </a:p>
+        </p:txBody>
+      </p:sp>
+    </p:spTree>
+    <p:extLst>
+      <p:ext uri="{BB962C8B-B14F-4D97-AF65-F5344CB8AC3E}">
+        <p14:creationId xmlns:p14="http://schemas.microsoft.com/office/powerpoint/2010/main" val="3969996159"/>
+      </p:ext>
+    </p:extLst>
+  </p:cSld>
+  <p:clrMapOvr>
+    <a:masterClrMapping/>
+  </p:clrMapOvr>
+</p:sld>
+</file>
+
+<file path=ppt/slides/slide11.xml><?xml version="1.0" encoding="utf-8"?>
+<p:sld xmlns:a="http://schemas.openxmlformats.org/drawingml/2006/main" xmlns:r="http://schemas.openxmlformats.org/officeDocument/2006/relationships" xmlns:p="http://schemas.openxmlformats.org/presentationml/2006/main">
+  <p:cSld>
+    <p:spTree>
+      <p:nvGrpSpPr>
         <p:cNvPr id="1" name="">
           <a:extLst>
             <a:ext uri="{FF2B5EF4-FFF2-40B4-BE49-F238E27FC236}">
@@ -17871,7 +18037,7 @@
             <a:fld id="{48F63A3B-78C7-47BE-AE5E-E10140E04643}" type="slidenum">
               <a:rPr lang="en-US" smtClean="0"/>
               <a:pPr/>
-              <a:t>10</a:t>
+              <a:t>11</a:t>
             </a:fld>
             <a:endParaRPr lang="en-US" dirty="0"/>
           </a:p>
@@ -17890,7 +18056,7 @@
 </p:sld>
 </file>
 
-<file path=ppt/slides/slide11.xml><?xml version="1.0" encoding="utf-8"?>
+<file path=ppt/slides/slide12.xml><?xml version="1.0" encoding="utf-8"?>
 <p:sld xmlns:a="http://schemas.openxmlformats.org/drawingml/2006/main" xmlns:r="http://schemas.openxmlformats.org/officeDocument/2006/relationships" xmlns:p="http://schemas.openxmlformats.org/presentationml/2006/main">
   <p:cSld>
     <p:spTree>
@@ -21592,10 +21758,10 @@
       </p:grpSpPr>
       <p:sp>
         <p:nvSpPr>
-          <p:cNvPr id="2" name="Title 1">
+          <p:cNvPr id="3" name="Content Placeholder 2">
             <a:extLst>
               <a:ext uri="{FF2B5EF4-FFF2-40B4-BE49-F238E27FC236}">
-                <a16:creationId xmlns:a16="http://schemas.microsoft.com/office/drawing/2014/main" id="{4730A324-0737-F0DA-1F7D-10CBE06D7C3F}"/>
+                <a16:creationId xmlns:a16="http://schemas.microsoft.com/office/drawing/2014/main" id="{C8298CA9-6132-653D-4F21-6D1C2E46E6E1}"/>
               </a:ext>
             </a:extLst>
           </p:cNvPr>
@@ -21603,32 +21769,107 @@
             <a:spLocks noGrp="1"/>
           </p:cNvSpPr>
           <p:nvPr>
-            <p:ph type="title"/>
+            <p:ph idx="13"/>
           </p:nvPr>
         </p:nvSpPr>
         <p:spPr>
           <a:xfrm>
-            <a:off x="914400" y="1057274"/>
-            <a:ext cx="10511627" cy="1012785"/>
+            <a:off x="310101" y="692943"/>
+            <a:ext cx="9016779" cy="4777554"/>
           </a:xfrm>
         </p:spPr>
         <p:txBody>
-          <a:bodyPr/>
+          <a:bodyPr>
+            <a:normAutofit lnSpcReduction="10000"/>
+          </a:bodyPr>
           <a:lstStyle/>
           <a:p>
+            <a:endParaRPr lang="en-US" sz="1800" dirty="0"/>
+          </a:p>
+          <a:p>
             <a:r>
-              <a:rPr lang="en-US" sz="3200" dirty="0"/>
-              <a:t>Examples of Propositional Logic in AI</a:t>
+              <a:rPr lang="en-US" sz="1800" dirty="0"/>
+              <a:t>A real-life example of a knowledge base using propositional logic could be found in a medical diagnosis system.</a:t>
             </a:r>
+          </a:p>
+          <a:p>
+            <a:endParaRPr lang="en-US" sz="1800" dirty="0"/>
+          </a:p>
+          <a:p>
+            <a:r>
+              <a:rPr lang="en-US" sz="1800" dirty="0"/>
+              <a:t>Imagine a knowledge base for diagnosing diseases based on symptoms reported by patients. Each symptom can be represented as a proposition in propositional logic. For instance:</a:t>
+            </a:r>
+          </a:p>
+          <a:p>
+            <a:endParaRPr lang="en-US" sz="1800" dirty="0"/>
+          </a:p>
+          <a:p>
+            <a:r>
+              <a:rPr lang="en-US" sz="1800" dirty="0"/>
+              <a:t>Fever (F)</a:t>
+            </a:r>
+          </a:p>
+          <a:p>
+            <a:r>
+              <a:rPr lang="en-US" sz="1800" dirty="0"/>
+              <a:t>Cough (C)</a:t>
+            </a:r>
+          </a:p>
+          <a:p>
+            <a:r>
+              <a:rPr lang="en-US" sz="1800" dirty="0"/>
+              <a:t>Headache (H)</a:t>
+            </a:r>
+          </a:p>
+          <a:p>
+            <a:r>
+              <a:rPr lang="en-US" sz="1800" dirty="0"/>
+              <a:t>Sore throat (S)</a:t>
+            </a:r>
+          </a:p>
+          <a:p>
+            <a:r>
+              <a:rPr lang="en-US" sz="1800" dirty="0"/>
+              <a:t>Runny nose (R)</a:t>
+            </a:r>
+          </a:p>
+          <a:p>
+            <a:r>
+              <a:rPr lang="en-US" sz="1800" dirty="0"/>
+              <a:t>Then, the knowledge base could contain rules such as:</a:t>
+            </a:r>
+          </a:p>
+          <a:p>
+            <a:endParaRPr lang="en-US" sz="1800" dirty="0"/>
+          </a:p>
+          <a:p>
+            <a:r>
+              <a:rPr lang="en-US" sz="1800" dirty="0"/>
+              <a:t>If a patient has a fever and a headache, they might have the flu: (F ∧ H) → Flu</a:t>
+            </a:r>
+          </a:p>
+          <a:p>
+            <a:r>
+              <a:rPr lang="en-US" sz="1800" dirty="0"/>
+              <a:t>If a patient has a cough and a sore throat, they might have a cold: (C ∧ S) → Cold</a:t>
+            </a:r>
+          </a:p>
+          <a:p>
+            <a:r>
+              <a:rPr lang="en-US" sz="1800" dirty="0"/>
+              <a:t>If a patient has a cough, a sore throat, and a runny nose, they might have allergies: (C ∧ S ∧ R) → Allergies</a:t>
+            </a:r>
+            <a:endParaRPr lang="en-IN" sz="1800" dirty="0"/>
           </a:p>
         </p:txBody>
       </p:sp>
       <p:sp>
         <p:nvSpPr>
-          <p:cNvPr id="3" name="Slide Number Placeholder 2">
+          <p:cNvPr id="5" name="Slide Number Placeholder 4">
             <a:extLst>
               <a:ext uri="{FF2B5EF4-FFF2-40B4-BE49-F238E27FC236}">
-                <a16:creationId xmlns:a16="http://schemas.microsoft.com/office/drawing/2014/main" id="{AC21286A-7B29-3B58-1636-0F45723890AB}"/>
+                <a16:creationId xmlns:a16="http://schemas.microsoft.com/office/drawing/2014/main" id="{7862046D-99C8-EAC0-676F-8E610FEDA098}"/>
               </a:ext>
             </a:extLst>
           </p:cNvPr>
@@ -21639,12 +21880,7 @@
             <p:ph type="sldNum" sz="quarter" idx="10"/>
           </p:nvPr>
         </p:nvSpPr>
-        <p:spPr>
-          <a:xfrm>
-            <a:off x="10358437" y="457199"/>
-            <a:ext cx="1067589" cy="471489"/>
-          </a:xfrm>
-        </p:spPr>
+        <p:spPr/>
         <p:txBody>
           <a:bodyPr/>
           <a:lstStyle/>
@@ -21658,73 +21894,10 @@
           </a:p>
         </p:txBody>
       </p:sp>
-      <p:sp>
-        <p:nvSpPr>
-          <p:cNvPr id="6" name="Content Placeholder 5">
-            <a:extLst>
-              <a:ext uri="{FF2B5EF4-FFF2-40B4-BE49-F238E27FC236}">
-                <a16:creationId xmlns:a16="http://schemas.microsoft.com/office/drawing/2014/main" id="{42C95DF6-9E49-8369-3287-BBE13D7C1604}"/>
-              </a:ext>
-            </a:extLst>
-          </p:cNvPr>
-          <p:cNvSpPr>
-            <a:spLocks noGrp="1"/>
-          </p:cNvSpPr>
-          <p:nvPr>
-            <p:ph sz="quarter" idx="4"/>
-          </p:nvPr>
-        </p:nvSpPr>
-        <p:spPr/>
-        <p:txBody>
-          <a:bodyPr/>
-          <a:lstStyle/>
-          <a:p>
-            <a:r>
-              <a:rPr lang="en-US" b="1" dirty="0"/>
-              <a:t>Expert Systems</a:t>
-            </a:r>
-            <a:r>
-              <a:rPr lang="en-US" dirty="0"/>
-              <a:t>: Expert systems use propositional logic to represent rules and make decisions based on them.</a:t>
-            </a:r>
-          </a:p>
-          <a:p>
-            <a:r>
-              <a:rPr lang="en-US" b="1" dirty="0"/>
-              <a:t>Robotics</a:t>
-            </a:r>
-            <a:r>
-              <a:rPr lang="en-US" dirty="0"/>
-              <a:t>: Robotics systems utilize propositional logic to make decisions about movement and navigation.</a:t>
-            </a:r>
-          </a:p>
-          <a:p>
-            <a:r>
-              <a:rPr lang="en-US" b="1" dirty="0"/>
-              <a:t>Natural Language Processing</a:t>
-            </a:r>
-            <a:r>
-              <a:rPr lang="en-US" dirty="0"/>
-              <a:t>: In NLP, propositional logic can be used to represent semantic relationships between words and phrases.</a:t>
-            </a:r>
-          </a:p>
-          <a:p>
-            <a:r>
-              <a:rPr lang="en-US" b="1" dirty="0"/>
-              <a:t>Game Playing</a:t>
-            </a:r>
-            <a:r>
-              <a:rPr lang="en-US" dirty="0"/>
-              <a:t>: Game-playing AI agents use propositional logic to evaluate different moves and strategies.</a:t>
-            </a:r>
-            <a:endParaRPr lang="en-IN" dirty="0"/>
-          </a:p>
-        </p:txBody>
-      </p:sp>
     </p:spTree>
     <p:extLst>
       <p:ext uri="{BB962C8B-B14F-4D97-AF65-F5344CB8AC3E}">
-        <p14:creationId xmlns:p14="http://schemas.microsoft.com/office/powerpoint/2010/main" val="1686213229"/>
+        <p14:creationId xmlns:p14="http://schemas.microsoft.com/office/powerpoint/2010/main" val="2070638492"/>
       </p:ext>
     </p:extLst>
   </p:cSld>
@@ -21753,10 +21926,10 @@
       </p:grpSpPr>
       <p:sp>
         <p:nvSpPr>
-          <p:cNvPr id="5" name="Title 4">
+          <p:cNvPr id="2" name="Title 1">
             <a:extLst>
               <a:ext uri="{FF2B5EF4-FFF2-40B4-BE49-F238E27FC236}">
-                <a16:creationId xmlns:a16="http://schemas.microsoft.com/office/drawing/2014/main" id="{2136FCF6-982C-CC37-9625-3EBFC7E7DD13}"/>
+                <a16:creationId xmlns:a16="http://schemas.microsoft.com/office/drawing/2014/main" id="{4730A324-0737-F0DA-1F7D-10CBE06D7C3F}"/>
               </a:ext>
             </a:extLst>
           </p:cNvPr>
@@ -21769,8 +21942,8 @@
         </p:nvSpPr>
         <p:spPr>
           <a:xfrm>
-            <a:off x="1550563" y="1089213"/>
-            <a:ext cx="9879437" cy="980844"/>
+            <a:off x="914400" y="1057274"/>
+            <a:ext cx="10511627" cy="1012785"/>
           </a:xfrm>
         </p:spPr>
         <p:txBody>
@@ -21779,84 +21952,17 @@
           <a:p>
             <a:r>
               <a:rPr lang="en-US" sz="3200" dirty="0"/>
-              <a:t>Limitations of Propositional Logic</a:t>
+              <a:t>Examples of Propositional Logic in AI</a:t>
             </a:r>
           </a:p>
         </p:txBody>
       </p:sp>
       <p:sp>
         <p:nvSpPr>
-          <p:cNvPr id="4" name="Text Placeholder 3">
+          <p:cNvPr id="3" name="Slide Number Placeholder 2">
             <a:extLst>
               <a:ext uri="{FF2B5EF4-FFF2-40B4-BE49-F238E27FC236}">
-                <a16:creationId xmlns:a16="http://schemas.microsoft.com/office/drawing/2014/main" id="{97DCC342-9FD1-7055-EAAC-008DC851B13F}"/>
-              </a:ext>
-            </a:extLst>
-          </p:cNvPr>
-          <p:cNvSpPr>
-            <a:spLocks noGrp="1"/>
-          </p:cNvSpPr>
-          <p:nvPr>
-            <p:ph type="body" sz="quarter" idx="13"/>
-          </p:nvPr>
-        </p:nvSpPr>
-        <p:spPr>
-          <a:xfrm>
-            <a:off x="1550564" y="2331958"/>
-            <a:ext cx="9175746" cy="3704266"/>
-          </a:xfrm>
-        </p:spPr>
-        <p:txBody>
-          <a:bodyPr/>
-          <a:lstStyle/>
-          <a:p>
-            <a:pPr marL="285750" indent="-285750">
-              <a:buFont typeface="Arial" panose="020B0604020202020204" pitchFamily="34" charset="0"/>
-              <a:buChar char="•"/>
-            </a:pPr>
-            <a:r>
-              <a:rPr lang="en-US" dirty="0"/>
-              <a:t>Expressiveness: Propositional logic is limited in expressing complex relationships and uncertainties.</a:t>
-            </a:r>
-          </a:p>
-          <a:p>
-            <a:pPr marL="285750" indent="-285750">
-              <a:buFont typeface="Arial" panose="020B0604020202020204" pitchFamily="34" charset="0"/>
-              <a:buChar char="•"/>
-            </a:pPr>
-            <a:r>
-              <a:rPr lang="en-US" dirty="0"/>
-              <a:t>Scalability: As the knowledge base grows, the complexity of reasoning increases exponentially, making it difficult to scale.</a:t>
-            </a:r>
-          </a:p>
-          <a:p>
-            <a:pPr marL="285750" indent="-285750">
-              <a:buFont typeface="Arial" panose="020B0604020202020204" pitchFamily="34" charset="0"/>
-              <a:buChar char="•"/>
-            </a:pPr>
-            <a:r>
-              <a:rPr lang="en-US" dirty="0"/>
-              <a:t>Incompleteness: Propositional logic cannot handle incomplete or uncertain information effectively.</a:t>
-            </a:r>
-          </a:p>
-          <a:p>
-            <a:pPr marL="285750" indent="-285750">
-              <a:buFont typeface="Arial" panose="020B0604020202020204" pitchFamily="34" charset="0"/>
-              <a:buChar char="•"/>
-            </a:pPr>
-            <a:r>
-              <a:rPr lang="en-US" dirty="0"/>
-              <a:t>Lack of Quantification: It lacks the ability to quantify statements, limiting its expressive power.</a:t>
-            </a:r>
-          </a:p>
-        </p:txBody>
-      </p:sp>
-      <p:sp>
-        <p:nvSpPr>
-          <p:cNvPr id="2" name="Slide Number Placeholder 1">
-            <a:extLst>
-              <a:ext uri="{FF2B5EF4-FFF2-40B4-BE49-F238E27FC236}">
-                <a16:creationId xmlns:a16="http://schemas.microsoft.com/office/drawing/2014/main" id="{A913EEC9-16E3-6C86-97D0-A7EC7EA09CDA}"/>
+                <a16:creationId xmlns:a16="http://schemas.microsoft.com/office/drawing/2014/main" id="{AC21286A-7B29-3B58-1636-0F45723890AB}"/>
               </a:ext>
             </a:extLst>
           </p:cNvPr>
@@ -21886,10 +21992,73 @@
           </a:p>
         </p:txBody>
       </p:sp>
+      <p:sp>
+        <p:nvSpPr>
+          <p:cNvPr id="6" name="Content Placeholder 5">
+            <a:extLst>
+              <a:ext uri="{FF2B5EF4-FFF2-40B4-BE49-F238E27FC236}">
+                <a16:creationId xmlns:a16="http://schemas.microsoft.com/office/drawing/2014/main" id="{42C95DF6-9E49-8369-3287-BBE13D7C1604}"/>
+              </a:ext>
+            </a:extLst>
+          </p:cNvPr>
+          <p:cNvSpPr>
+            <a:spLocks noGrp="1"/>
+          </p:cNvSpPr>
+          <p:nvPr>
+            <p:ph sz="quarter" idx="4"/>
+          </p:nvPr>
+        </p:nvSpPr>
+        <p:spPr/>
+        <p:txBody>
+          <a:bodyPr/>
+          <a:lstStyle/>
+          <a:p>
+            <a:r>
+              <a:rPr lang="en-US" b="1" dirty="0"/>
+              <a:t>Expert Systems</a:t>
+            </a:r>
+            <a:r>
+              <a:rPr lang="en-US" dirty="0"/>
+              <a:t>: Expert systems use propositional logic to represent rules and make decisions based on them.</a:t>
+            </a:r>
+          </a:p>
+          <a:p>
+            <a:r>
+              <a:rPr lang="en-US" b="1" dirty="0"/>
+              <a:t>Robotics</a:t>
+            </a:r>
+            <a:r>
+              <a:rPr lang="en-US" dirty="0"/>
+              <a:t>: Robotics systems utilize propositional logic to make decisions about movement and navigation.</a:t>
+            </a:r>
+          </a:p>
+          <a:p>
+            <a:r>
+              <a:rPr lang="en-US" b="1" dirty="0"/>
+              <a:t>Natural Language Processing</a:t>
+            </a:r>
+            <a:r>
+              <a:rPr lang="en-US" dirty="0"/>
+              <a:t>: In NLP, propositional logic can be used to represent semantic relationships between words and phrases.</a:t>
+            </a:r>
+          </a:p>
+          <a:p>
+            <a:r>
+              <a:rPr lang="en-US" b="1" dirty="0"/>
+              <a:t>Game Playing</a:t>
+            </a:r>
+            <a:r>
+              <a:rPr lang="en-US" dirty="0"/>
+              <a:t>: Game-playing AI agents use propositional logic to evaluate different moves and strategies.</a:t>
+            </a:r>
+            <a:endParaRPr lang="en-IN" dirty="0"/>
+          </a:p>
+        </p:txBody>
+      </p:sp>
     </p:spTree>
     <p:extLst>
       <p:ext uri="{BB962C8B-B14F-4D97-AF65-F5344CB8AC3E}">
-        <p14:creationId xmlns:p14="http://schemas.microsoft.com/office/powerpoint/2010/main" val="3969996159"/>
+        <p14:creationId xmlns:p14="http://schemas.microsoft.com/office/powerpoint/2010/main" val="1686213229"/>
       </p:ext>
     </p:extLst>
   </p:cSld>
@@ -22691,6 +22860,15 @@
 </file>
 
 <file path=customXml/item1.xml><?xml version="1.0" encoding="utf-8"?>
+<?mso-contentType ?>
+<FormTemplates xmlns="http://schemas.microsoft.com/sharepoint/v3/contenttype/forms">
+  <Display>DocumentLibraryForm</Display>
+  <Edit>DocumentLibraryForm</Edit>
+  <New>DocumentLibraryForm</New>
+</FormTemplates>
+</file>
+
+<file path=customXml/item2.xml><?xml version="1.0" encoding="utf-8"?>
 <p:properties xmlns:p="http://schemas.microsoft.com/office/2006/metadata/properties" xmlns:xsi="http://www.w3.org/2001/XMLSchema-instance" xmlns:pc="http://schemas.microsoft.com/office/infopath/2007/PartnerControls">
   <documentManagement>
     <_ip_UnifiedCompliancePolicyUIAction xmlns="http://schemas.microsoft.com/sharepoint/v3" xsi:nil="true"/>
@@ -22708,15 +22886,6 @@
     <MediaServiceKeyPoints xmlns="71af3243-3dd4-4a8d-8c0d-dd76da1f02a5" xsi:nil="true"/>
   </documentManagement>
 </p:properties>
-</file>
-
-<file path=customXml/item2.xml><?xml version="1.0" encoding="utf-8"?>
-<?mso-contentType ?>
-<FormTemplates xmlns="http://schemas.microsoft.com/sharepoint/v3/contenttype/forms">
-  <Display>DocumentLibraryForm</Display>
-  <Edit>DocumentLibraryForm</Edit>
-  <New>DocumentLibraryForm</New>
-</FormTemplates>
 </file>
 
 <file path=customXml/item3.xml><?xml version="1.0" encoding="utf-8"?>
@@ -23032,6 +23201,14 @@
 </file>
 
 <file path=customXml/itemProps1.xml><?xml version="1.0" encoding="utf-8"?>
+<ds:datastoreItem xmlns:ds="http://schemas.openxmlformats.org/officeDocument/2006/customXml" ds:itemID="{16DBB56F-4362-4386-A1A1-3DF898896616}">
+  <ds:schemaRefs>
+    <ds:schemaRef ds:uri="http://schemas.microsoft.com/sharepoint/v3/contenttype/forms"/>
+  </ds:schemaRefs>
+</ds:datastoreItem>
+</file>
+
+<file path=customXml/itemProps2.xml><?xml version="1.0" encoding="utf-8"?>
 <ds:datastoreItem xmlns:ds="http://schemas.openxmlformats.org/officeDocument/2006/customXml" ds:itemID="{BA719FA4-954C-4FA8-82CB-206659C3B826}">
   <ds:schemaRefs>
     <ds:schemaRef ds:uri="http://schemas.microsoft.com/office/2006/metadata/properties"/>
@@ -23039,14 +23216,6 @@
     <ds:schemaRef ds:uri="http://schemas.microsoft.com/sharepoint/v3"/>
     <ds:schemaRef ds:uri="71af3243-3dd4-4a8d-8c0d-dd76da1f02a5"/>
     <ds:schemaRef ds:uri="230e9df3-be65-4c73-a93b-d1236ebd677e"/>
-  </ds:schemaRefs>
-</ds:datastoreItem>
-</file>
-
-<file path=customXml/itemProps2.xml><?xml version="1.0" encoding="utf-8"?>
-<ds:datastoreItem xmlns:ds="http://schemas.openxmlformats.org/officeDocument/2006/customXml" ds:itemID="{16DBB56F-4362-4386-A1A1-3DF898896616}">
-  <ds:schemaRefs>
-    <ds:schemaRef ds:uri="http://schemas.microsoft.com/sharepoint/v3/contenttype/forms"/>
   </ds:schemaRefs>
 </ds:datastoreItem>
 </file>
